--- a/Differences Between Star and Snowflake Schemas.pptx
+++ b/Differences Between Star and Snowflake Schemas.pptx
@@ -1988,12 +1988,12 @@
         <a:lstStyle/>
         <a:p>
           <a:r>
-            <a:rPr lang="en-US" b="1" i="0" baseline="0">
+            <a:rPr lang="en-US" b="1" i="0" baseline="0" dirty="0">
               <a:latin typeface="Montserrat" panose="00000500000000000000" pitchFamily="2" charset="0"/>
             </a:rPr>
             <a:t>Snowflake Schema:</a:t>
           </a:r>
-          <a:endParaRPr lang="en-US">
+          <a:endParaRPr lang="en-US" dirty="0">
             <a:latin typeface="Montserrat" panose="00000500000000000000" pitchFamily="2" charset="0"/>
           </a:endParaRPr>
         </a:p>
@@ -4511,12 +4511,12 @@
             <a:buNone/>
           </a:pPr>
           <a:r>
-            <a:rPr lang="en-US" sz="1100" b="1" i="0" kern="1200" baseline="0">
+            <a:rPr lang="en-US" sz="1100" b="1" i="0" kern="1200" baseline="0" dirty="0">
               <a:latin typeface="Montserrat" panose="00000500000000000000" pitchFamily="2" charset="0"/>
             </a:rPr>
             <a:t>Snowflake Schema:</a:t>
           </a:r>
-          <a:endParaRPr lang="en-US" sz="1100" kern="1200">
+          <a:endParaRPr lang="en-US" sz="1100" kern="1200" dirty="0">
             <a:latin typeface="Montserrat" panose="00000500000000000000" pitchFamily="2" charset="0"/>
           </a:endParaRPr>
         </a:p>
@@ -10121,7 +10121,7 @@
           <a:p>
             <a:fld id="{456345F6-4A33-4A1F-920D-7D39DB876875}" type="datetimeFigureOut">
               <a:rPr lang="en-US" smtClean="0"/>
-              <a:t>2/19/2025</a:t>
+              <a:t>9/2/2025</a:t>
             </a:fld>
             <a:endParaRPr lang="en-US"/>
           </a:p>
@@ -10732,7 +10732,7 @@
           <a:p>
             <a:fld id="{DD4547B5-39AC-49AE-B8AB-E377B878BE41}" type="datetimeFigureOut">
               <a:rPr lang="en-US" smtClean="0"/>
-              <a:t>2/19/2025</a:t>
+              <a:t>9/2/2025</a:t>
             </a:fld>
             <a:endParaRPr lang="en-US"/>
           </a:p>
@@ -10902,7 +10902,7 @@
           <a:p>
             <a:fld id="{DD4547B5-39AC-49AE-B8AB-E377B878BE41}" type="datetimeFigureOut">
               <a:rPr lang="en-US" smtClean="0"/>
-              <a:t>2/19/2025</a:t>
+              <a:t>9/2/2025</a:t>
             </a:fld>
             <a:endParaRPr lang="en-US"/>
           </a:p>
@@ -11125,7 +11125,7 @@
           <a:p>
             <a:fld id="{DD4547B5-39AC-49AE-B8AB-E377B878BE41}" type="datetimeFigureOut">
               <a:rPr lang="en-US" smtClean="0"/>
-              <a:t>2/19/2025</a:t>
+              <a:t>9/2/2025</a:t>
             </a:fld>
             <a:endParaRPr lang="en-US"/>
           </a:p>
@@ -11305,7 +11305,7 @@
           <a:p>
             <a:fld id="{DD4547B5-39AC-49AE-B8AB-E377B878BE41}" type="datetimeFigureOut">
               <a:rPr lang="en-US" smtClean="0"/>
-              <a:t>2/19/2025</a:t>
+              <a:t>9/2/2025</a:t>
             </a:fld>
             <a:endParaRPr lang="en-US"/>
           </a:p>
@@ -11611,7 +11611,7 @@
           <a:p>
             <a:fld id="{DD4547B5-39AC-49AE-B8AB-E377B878BE41}" type="datetimeFigureOut">
               <a:rPr lang="en-US" smtClean="0"/>
-              <a:t>2/19/2025</a:t>
+              <a:t>9/2/2025</a:t>
             </a:fld>
             <a:endParaRPr lang="en-US"/>
           </a:p>
@@ -11915,7 +11915,7 @@
           <a:p>
             <a:fld id="{DD4547B5-39AC-49AE-B8AB-E377B878BE41}" type="datetimeFigureOut">
               <a:rPr lang="en-US" smtClean="0"/>
-              <a:t>2/19/2025</a:t>
+              <a:t>9/2/2025</a:t>
             </a:fld>
             <a:endParaRPr lang="en-US"/>
           </a:p>
@@ -12337,7 +12337,7 @@
           <a:p>
             <a:fld id="{DD4547B5-39AC-49AE-B8AB-E377B878BE41}" type="datetimeFigureOut">
               <a:rPr lang="en-US" smtClean="0"/>
-              <a:t>2/19/2025</a:t>
+              <a:t>9/2/2025</a:t>
             </a:fld>
             <a:endParaRPr lang="en-US"/>
           </a:p>
@@ -12455,7 +12455,7 @@
           <a:p>
             <a:fld id="{DD4547B5-39AC-49AE-B8AB-E377B878BE41}" type="datetimeFigureOut">
               <a:rPr lang="en-US" smtClean="0"/>
-              <a:t>2/19/2025</a:t>
+              <a:t>9/2/2025</a:t>
             </a:fld>
             <a:endParaRPr lang="en-US"/>
           </a:p>
@@ -12550,7 +12550,7 @@
           <a:p>
             <a:fld id="{DD4547B5-39AC-49AE-B8AB-E377B878BE41}" type="datetimeFigureOut">
               <a:rPr lang="en-US" smtClean="0"/>
-              <a:t>2/19/2025</a:t>
+              <a:t>9/2/2025</a:t>
             </a:fld>
             <a:endParaRPr lang="en-US"/>
           </a:p>
@@ -12823,7 +12823,7 @@
           <a:p>
             <a:fld id="{DD4547B5-39AC-49AE-B8AB-E377B878BE41}" type="datetimeFigureOut">
               <a:rPr lang="en-US" smtClean="0"/>
-              <a:t>2/19/2025</a:t>
+              <a:t>9/2/2025</a:t>
             </a:fld>
             <a:endParaRPr lang="en-US"/>
           </a:p>
@@ -13088,7 +13088,7 @@
           <a:p>
             <a:fld id="{DD4547B5-39AC-49AE-B8AB-E377B878BE41}" type="datetimeFigureOut">
               <a:rPr lang="en-US" smtClean="0"/>
-              <a:t>2/19/2025</a:t>
+              <a:t>9/2/2025</a:t>
             </a:fld>
             <a:endParaRPr lang="en-US"/>
           </a:p>
@@ -13337,7 +13337,7 @@
           <a:p>
             <a:fld id="{DD4547B5-39AC-49AE-B8AB-E377B878BE41}" type="datetimeFigureOut">
               <a:rPr lang="en-US" smtClean="0"/>
-              <a:t>2/19/2025</a:t>
+              <a:t>9/2/2025</a:t>
             </a:fld>
             <a:endParaRPr lang="en-US"/>
           </a:p>
@@ -14133,13 +14133,13 @@
   <p:clrMapOvr>
     <a:masterClrMapping/>
   </p:clrMapOvr>
-  <mc:AlternateContent xmlns:mc="http://schemas.openxmlformats.org/markup-compatibility/2006">
-    <mc:Choice xmlns:p159="http://schemas.microsoft.com/office/powerpoint/2015/09/main" Requires="p159">
+  <mc:AlternateContent xmlns:mc="http://schemas.openxmlformats.org/markup-compatibility/2006" xmlns:p159="http://schemas.microsoft.com/office/powerpoint/2015/09/main">
+    <mc:Choice Requires="p159">
       <p:transition xmlns:p14="http://schemas.microsoft.com/office/powerpoint/2010/main" spd="slow" p14:dur="2000">
         <p159:morph option="byChar"/>
       </p:transition>
     </mc:Choice>
-    <mc:Fallback>
+    <mc:Fallback xmlns="">
       <p:transition spd="slow">
         <p:fade/>
       </p:transition>
@@ -33417,12 +33417,11 @@
 </file>
 
 <file path=customXml/item1.xml><?xml version="1.0" encoding="utf-8"?>
-<?mso-contentType ?>
-<FormTemplates xmlns="http://schemas.microsoft.com/sharepoint/v3/contenttype/forms">
-  <Display>DocumentLibraryForm</Display>
-  <Edit>DocumentLibraryForm</Edit>
-  <New>DocumentLibraryForm</New>
-</FormTemplates>
+<p:properties xmlns:p="http://schemas.microsoft.com/office/2006/metadata/properties" xmlns:xsi="http://www.w3.org/2001/XMLSchema-instance" xmlns:pc="http://schemas.microsoft.com/office/infopath/2007/PartnerControls">
+  <documentManagement>
+    <_activity xmlns="817a21bb-8f25-42dc-a3cb-c55a37f666d7" xsi:nil="true"/>
+  </documentManagement>
+</p:properties>
 </file>
 
 <file path=customXml/item2.xml><?xml version="1.0" encoding="utf-8"?>
@@ -33679,17 +33678,27 @@
 </file>
 
 <file path=customXml/item3.xml><?xml version="1.0" encoding="utf-8"?>
-<p:properties xmlns:p="http://schemas.microsoft.com/office/2006/metadata/properties" xmlns:xsi="http://www.w3.org/2001/XMLSchema-instance" xmlns:pc="http://schemas.microsoft.com/office/infopath/2007/PartnerControls">
-  <documentManagement>
-    <_activity xmlns="817a21bb-8f25-42dc-a3cb-c55a37f666d7" xsi:nil="true"/>
-  </documentManagement>
-</p:properties>
+<?mso-contentType ?>
+<FormTemplates xmlns="http://schemas.microsoft.com/sharepoint/v3/contenttype/forms">
+  <Display>DocumentLibraryForm</Display>
+  <Edit>DocumentLibraryForm</Edit>
+  <New>DocumentLibraryForm</New>
+</FormTemplates>
 </file>
 
 <file path=customXml/itemProps1.xml><?xml version="1.0" encoding="utf-8"?>
-<ds:datastoreItem xmlns:ds="http://schemas.openxmlformats.org/officeDocument/2006/customXml" ds:itemID="{898DF406-5C4F-478B-8AFF-690446344B0F}">
+<ds:datastoreItem xmlns:ds="http://schemas.openxmlformats.org/officeDocument/2006/customXml" ds:itemID="{AC2C0BF1-08CC-4184-B261-49D25206DA28}">
   <ds:schemaRefs>
-    <ds:schemaRef ds:uri="http://schemas.microsoft.com/sharepoint/v3/contenttype/forms"/>
+    <ds:schemaRef ds:uri="http://purl.org/dc/elements/1.1/"/>
+    <ds:schemaRef ds:uri="817a21bb-8f25-42dc-a3cb-c55a37f666d7"/>
+    <ds:schemaRef ds:uri="http://purl.org/dc/dcmitype/"/>
+    <ds:schemaRef ds:uri="86a0dcef-e735-4cb0-bf5b-8fae171ba12a"/>
+    <ds:schemaRef ds:uri="http://schemas.microsoft.com/office/2006/documentManagement/types"/>
+    <ds:schemaRef ds:uri="http://www.w3.org/XML/1998/namespace"/>
+    <ds:schemaRef ds:uri="http://schemas.openxmlformats.org/package/2006/metadata/core-properties"/>
+    <ds:schemaRef ds:uri="http://schemas.microsoft.com/office/infopath/2007/PartnerControls"/>
+    <ds:schemaRef ds:uri="http://schemas.microsoft.com/office/2006/metadata/properties"/>
+    <ds:schemaRef ds:uri="http://purl.org/dc/terms/"/>
   </ds:schemaRefs>
 </ds:datastoreItem>
 </file>
@@ -33714,18 +33723,9 @@
 </file>
 
 <file path=customXml/itemProps3.xml><?xml version="1.0" encoding="utf-8"?>
-<ds:datastoreItem xmlns:ds="http://schemas.openxmlformats.org/officeDocument/2006/customXml" ds:itemID="{AC2C0BF1-08CC-4184-B261-49D25206DA28}">
+<ds:datastoreItem xmlns:ds="http://schemas.openxmlformats.org/officeDocument/2006/customXml" ds:itemID="{898DF406-5C4F-478B-8AFF-690446344B0F}">
   <ds:schemaRefs>
-    <ds:schemaRef ds:uri="http://purl.org/dc/elements/1.1/"/>
-    <ds:schemaRef ds:uri="817a21bb-8f25-42dc-a3cb-c55a37f666d7"/>
-    <ds:schemaRef ds:uri="86a0dcef-e735-4cb0-bf5b-8fae171ba12a"/>
-    <ds:schemaRef ds:uri="http://purl.org/dc/terms/"/>
-    <ds:schemaRef ds:uri="http://purl.org/dc/dcmitype/"/>
-    <ds:schemaRef ds:uri="http://schemas.microsoft.com/office/2006/documentManagement/types"/>
-    <ds:schemaRef ds:uri="http://schemas.openxmlformats.org/package/2006/metadata/core-properties"/>
-    <ds:schemaRef ds:uri="http://schemas.microsoft.com/office/2006/metadata/properties"/>
-    <ds:schemaRef ds:uri="http://www.w3.org/XML/1998/namespace"/>
-    <ds:schemaRef ds:uri="http://schemas.microsoft.com/office/infopath/2007/PartnerControls"/>
+    <ds:schemaRef ds:uri="http://schemas.microsoft.com/sharepoint/v3/contenttype/forms"/>
   </ds:schemaRefs>
 </ds:datastoreItem>
 </file>